--- a/files/wavelets/writings/Figuress.pptx
+++ b/files/wavelets/writings/Figuress.pptx
@@ -8,6 +8,7 @@
     <p:sldId id="256" r:id="rId2"/>
     <p:sldId id="257" r:id="rId3"/>
     <p:sldId id="258" r:id="rId4"/>
+    <p:sldId id="259" r:id="rId5"/>
   </p:sldIdLst>
   <p:sldSz cx="12192000" cy="6858000"/>
   <p:notesSz cx="6858000" cy="9144000"/>
@@ -261,7 +262,7 @@
           <a:p>
             <a:fld id="{CD4BC412-35D1-4B5F-A568-F268B4BC147A}" type="datetimeFigureOut">
               <a:rPr lang="en-US" smtClean="0"/>
-              <a:t>3/13/2020</a:t>
+              <a:t>4/16/2020</a:t>
             </a:fld>
             <a:endParaRPr lang="en-US"/>
           </a:p>
@@ -459,7 +460,7 @@
           <a:p>
             <a:fld id="{CD4BC412-35D1-4B5F-A568-F268B4BC147A}" type="datetimeFigureOut">
               <a:rPr lang="en-US" smtClean="0"/>
-              <a:t>3/13/2020</a:t>
+              <a:t>4/16/2020</a:t>
             </a:fld>
             <a:endParaRPr lang="en-US"/>
           </a:p>
@@ -667,7 +668,7 @@
           <a:p>
             <a:fld id="{CD4BC412-35D1-4B5F-A568-F268B4BC147A}" type="datetimeFigureOut">
               <a:rPr lang="en-US" smtClean="0"/>
-              <a:t>3/13/2020</a:t>
+              <a:t>4/16/2020</a:t>
             </a:fld>
             <a:endParaRPr lang="en-US"/>
           </a:p>
@@ -865,7 +866,7 @@
           <a:p>
             <a:fld id="{CD4BC412-35D1-4B5F-A568-F268B4BC147A}" type="datetimeFigureOut">
               <a:rPr lang="en-US" smtClean="0"/>
-              <a:t>3/13/2020</a:t>
+              <a:t>4/16/2020</a:t>
             </a:fld>
             <a:endParaRPr lang="en-US"/>
           </a:p>
@@ -1140,7 +1141,7 @@
           <a:p>
             <a:fld id="{CD4BC412-35D1-4B5F-A568-F268B4BC147A}" type="datetimeFigureOut">
               <a:rPr lang="en-US" smtClean="0"/>
-              <a:t>3/13/2020</a:t>
+              <a:t>4/16/2020</a:t>
             </a:fld>
             <a:endParaRPr lang="en-US"/>
           </a:p>
@@ -1405,7 +1406,7 @@
           <a:p>
             <a:fld id="{CD4BC412-35D1-4B5F-A568-F268B4BC147A}" type="datetimeFigureOut">
               <a:rPr lang="en-US" smtClean="0"/>
-              <a:t>3/13/2020</a:t>
+              <a:t>4/16/2020</a:t>
             </a:fld>
             <a:endParaRPr lang="en-US"/>
           </a:p>
@@ -1817,7 +1818,7 @@
           <a:p>
             <a:fld id="{CD4BC412-35D1-4B5F-A568-F268B4BC147A}" type="datetimeFigureOut">
               <a:rPr lang="en-US" smtClean="0"/>
-              <a:t>3/13/2020</a:t>
+              <a:t>4/16/2020</a:t>
             </a:fld>
             <a:endParaRPr lang="en-US"/>
           </a:p>
@@ -1958,7 +1959,7 @@
           <a:p>
             <a:fld id="{CD4BC412-35D1-4B5F-A568-F268B4BC147A}" type="datetimeFigureOut">
               <a:rPr lang="en-US" smtClean="0"/>
-              <a:t>3/13/2020</a:t>
+              <a:t>4/16/2020</a:t>
             </a:fld>
             <a:endParaRPr lang="en-US"/>
           </a:p>
@@ -2071,7 +2072,7 @@
           <a:p>
             <a:fld id="{CD4BC412-35D1-4B5F-A568-F268B4BC147A}" type="datetimeFigureOut">
               <a:rPr lang="en-US" smtClean="0"/>
-              <a:t>3/13/2020</a:t>
+              <a:t>4/16/2020</a:t>
             </a:fld>
             <a:endParaRPr lang="en-US"/>
           </a:p>
@@ -2382,7 +2383,7 @@
           <a:p>
             <a:fld id="{CD4BC412-35D1-4B5F-A568-F268B4BC147A}" type="datetimeFigureOut">
               <a:rPr lang="en-US" smtClean="0"/>
-              <a:t>3/13/2020</a:t>
+              <a:t>4/16/2020</a:t>
             </a:fld>
             <a:endParaRPr lang="en-US"/>
           </a:p>
@@ -2670,7 +2671,7 @@
           <a:p>
             <a:fld id="{CD4BC412-35D1-4B5F-A568-F268B4BC147A}" type="datetimeFigureOut">
               <a:rPr lang="en-US" smtClean="0"/>
-              <a:t>3/13/2020</a:t>
+              <a:t>4/16/2020</a:t>
             </a:fld>
             <a:endParaRPr lang="en-US"/>
           </a:p>
@@ -2911,7 +2912,7 @@
           <a:p>
             <a:fld id="{CD4BC412-35D1-4B5F-A568-F268B4BC147A}" type="datetimeFigureOut">
               <a:rPr lang="en-US" smtClean="0"/>
-              <a:t>3/13/2020</a:t>
+              <a:t>4/16/2020</a:t>
             </a:fld>
             <a:endParaRPr lang="en-US"/>
           </a:p>
@@ -3842,10 +3843,9 @@
           <a:lstStyle/>
           <a:p>
             <a:r>
-              <a:rPr lang="en-US" sz="1200" dirty="0" smtClean="0"/>
+              <a:rPr lang="en-US" sz="1200" dirty="0"/>
               <a:t>Going Back to Start Position</a:t>
             </a:r>
-            <a:endParaRPr lang="en-US" sz="1200" dirty="0"/>
           </a:p>
         </p:txBody>
       </p:sp>
@@ -4243,6 +4243,782 @@
     <p:extLst>
       <p:ext uri="{BB962C8B-B14F-4D97-AF65-F5344CB8AC3E}">
         <p14:creationId xmlns:p14="http://schemas.microsoft.com/office/powerpoint/2010/main" val="288154839"/>
+      </p:ext>
+    </p:extLst>
+  </p:cSld>
+  <p:clrMapOvr>
+    <a:masterClrMapping/>
+  </p:clrMapOvr>
+</p:sld>
+</file>
+
+<file path=ppt/slides/slide4.xml><?xml version="1.0" encoding="utf-8"?>
+<p:sld xmlns:a="http://schemas.openxmlformats.org/drawingml/2006/main" xmlns:r="http://schemas.openxmlformats.org/officeDocument/2006/relationships" xmlns:p="http://schemas.openxmlformats.org/presentationml/2006/main">
+  <p:cSld>
+    <p:spTree>
+      <p:nvGrpSpPr>
+        <p:cNvPr id="1" name=""/>
+        <p:cNvGrpSpPr/>
+        <p:nvPr/>
+      </p:nvGrpSpPr>
+      <p:grpSpPr>
+        <a:xfrm>
+          <a:off x="0" y="0"/>
+          <a:ext cx="0" cy="0"/>
+          <a:chOff x="0" y="0"/>
+          <a:chExt cx="0" cy="0"/>
+        </a:xfrm>
+      </p:grpSpPr>
+      <mc:AlternateContent xmlns:mc="http://schemas.openxmlformats.org/markup-compatibility/2006">
+        <mc:Choice xmlns:a14="http://schemas.microsoft.com/office/drawing/2010/main" Requires="a14">
+          <p:sp>
+            <p:nvSpPr>
+              <p:cNvPr id="2" name="Rectangle 1">
+                <a:extLst>
+                  <a:ext uri="{FF2B5EF4-FFF2-40B4-BE49-F238E27FC236}">
+                    <a16:creationId xmlns:a16="http://schemas.microsoft.com/office/drawing/2014/main" id="{FE595490-9D4E-4846-9F1A-C176748DFAAB}"/>
+                  </a:ext>
+                </a:extLst>
+              </p:cNvPr>
+              <p:cNvSpPr/>
+              <p:nvPr/>
+            </p:nvSpPr>
+            <p:spPr>
+              <a:xfrm>
+                <a:off x="2366361" y="199223"/>
+                <a:ext cx="8909323" cy="6712222"/>
+              </a:xfrm>
+              <a:prstGeom prst="rect">
+                <a:avLst/>
+              </a:prstGeom>
+            </p:spPr>
+            <p:txBody>
+              <a:bodyPr wrap="square">
+                <a:spAutoFit/>
+              </a:bodyPr>
+              <a:lstStyle/>
+              <a:p>
+                <a:r>
+                  <a:rPr lang="en-US" dirty="0">
+                    <a:solidFill>
+                      <a:srgbClr val="7030A0"/>
+                    </a:solidFill>
+                    <a:latin typeface="Times New Roman" panose="02020603050405020304" pitchFamily="18" charset="0"/>
+                    <a:cs typeface="Times New Roman" panose="02020603050405020304" pitchFamily="18" charset="0"/>
+                  </a:rPr>
+                  <a:t>Load Road Data</a:t>
+                </a:r>
+              </a:p>
+              <a:p>
+                <a:r>
+                  <a:rPr lang="en-US" dirty="0">
+                    <a:solidFill>
+                      <a:srgbClr val="7030A0"/>
+                    </a:solidFill>
+                    <a:latin typeface="Times New Roman" panose="02020603050405020304" pitchFamily="18" charset="0"/>
+                    <a:cs typeface="Times New Roman" panose="02020603050405020304" pitchFamily="18" charset="0"/>
+                  </a:rPr>
+                  <a:t>Calculate Curvature for Road Data </a:t>
+                </a:r>
+                <a14:m>
+                  <m:oMath xmlns:m="http://schemas.openxmlformats.org/officeDocument/2006/math">
+                    <m:acc>
+                      <m:accPr>
+                        <m:chr m:val="̂"/>
+                        <m:ctrlPr>
+                          <a:rPr lang="en-US">
+                            <a:solidFill>
+                              <a:srgbClr val="7030A0"/>
+                            </a:solidFill>
+                          </a:rPr>
+                        </m:ctrlPr>
+                      </m:accPr>
+                      <m:e>
+                        <m:r>
+                          <m:rPr>
+                            <m:sty m:val="p"/>
+                          </m:rPr>
+                          <a:rPr lang="en-US" i="0" smtClean="0">
+                            <a:solidFill>
+                              <a:srgbClr val="7030A0"/>
+                            </a:solidFill>
+                            <a:latin typeface="Cambria Math" panose="02040503050406030204" pitchFamily="18" charset="0"/>
+                          </a:rPr>
+                          <m:t>κ</m:t>
+                        </m:r>
+                      </m:e>
+                    </m:acc>
+                    <m:r>
+                      <a:rPr lang="en-US" i="0" smtClean="0">
+                        <a:solidFill>
+                          <a:srgbClr val="7030A0"/>
+                        </a:solidFill>
+                        <a:latin typeface="Cambria Math" panose="02040503050406030204" pitchFamily="18" charset="0"/>
+                      </a:rPr>
+                      <m:t>[</m:t>
+                    </m:r>
+                    <m:r>
+                      <m:rPr>
+                        <m:sty m:val="p"/>
+                      </m:rPr>
+                      <a:rPr lang="en-US" i="0" smtClean="0">
+                        <a:solidFill>
+                          <a:srgbClr val="7030A0"/>
+                        </a:solidFill>
+                        <a:latin typeface="Cambria Math" panose="02040503050406030204" pitchFamily="18" charset="0"/>
+                      </a:rPr>
+                      <m:t>s</m:t>
+                    </m:r>
+                    <m:r>
+                      <a:rPr lang="en-US" i="0" smtClean="0">
+                        <a:solidFill>
+                          <a:srgbClr val="7030A0"/>
+                        </a:solidFill>
+                        <a:latin typeface="Cambria Math" panose="02040503050406030204" pitchFamily="18" charset="0"/>
+                      </a:rPr>
+                      <m:t>]</m:t>
+                    </m:r>
+                  </m:oMath>
+                </a14:m>
+                <a:endParaRPr lang="en-US" dirty="0">
+                  <a:solidFill>
+                    <a:srgbClr val="7030A0"/>
+                  </a:solidFill>
+                  <a:latin typeface="Times New Roman" panose="02020603050405020304" pitchFamily="18" charset="0"/>
+                  <a:cs typeface="Times New Roman" panose="02020603050405020304" pitchFamily="18" charset="0"/>
+                </a:endParaRPr>
+              </a:p>
+              <a:p>
+                <a:r>
+                  <a:rPr lang="en-US" dirty="0">
+                    <a:latin typeface="Times New Roman" panose="02020603050405020304" pitchFamily="18" charset="0"/>
+                    <a:cs typeface="Times New Roman" panose="02020603050405020304" pitchFamily="18" charset="0"/>
+                  </a:rPr>
+                  <a:t>Select a Curvature Model M.1</a:t>
+                </a:r>
+              </a:p>
+              <a:p>
+                <a:r>
+                  <a:rPr lang="en-US" i="1" dirty="0">
+                    <a:latin typeface="Times New Roman" panose="02020603050405020304" pitchFamily="18" charset="0"/>
+                    <a:cs typeface="Times New Roman" panose="02020603050405020304" pitchFamily="18" charset="0"/>
+                  </a:rPr>
+                  <a:t>	i.e.  </a:t>
+                </a:r>
+                <a14:m>
+                  <m:oMath xmlns:m="http://schemas.openxmlformats.org/officeDocument/2006/math">
+                    <m:sSub>
+                      <m:sSubPr>
+                        <m:ctrlPr>
+                          <a:rPr lang="en-US" i="1"/>
+                        </m:ctrlPr>
+                      </m:sSubPr>
+                      <m:e>
+                        <m:r>
+                          <a:rPr lang="en-US" i="1"/>
+                          <m:t>𝜅</m:t>
+                        </m:r>
+                      </m:e>
+                      <m:sub>
+                        <m:r>
+                          <a:rPr lang="en-US" b="0" i="1" smtClean="0">
+                            <a:latin typeface="Cambria Math" panose="02040503050406030204" pitchFamily="18" charset="0"/>
+                          </a:rPr>
+                          <m:t>1</m:t>
+                        </m:r>
+                      </m:sub>
+                    </m:sSub>
+                    <m:r>
+                      <a:rPr lang="en-US" i="1"/>
+                      <m:t>(</m:t>
+                    </m:r>
+                    <m:r>
+                      <a:rPr lang="en-US" i="1"/>
+                      <m:t>𝑠</m:t>
+                    </m:r>
+                    <m:r>
+                      <a:rPr lang="en-US" i="1"/>
+                      <m:t>)</m:t>
+                    </m:r>
+                  </m:oMath>
+                </a14:m>
+                <a:endParaRPr lang="en-US" i="1" dirty="0">
+                  <a:latin typeface="Times New Roman" panose="02020603050405020304" pitchFamily="18" charset="0"/>
+                  <a:cs typeface="Times New Roman" panose="02020603050405020304" pitchFamily="18" charset="0"/>
+                </a:endParaRPr>
+              </a:p>
+              <a:p>
+                <a:pPr algn="just">
+                  <a:spcAft>
+                    <a:spcPts val="1200"/>
+                  </a:spcAft>
+                </a:pPr>
+                <a:r>
+                  <a:rPr lang="en-US" dirty="0">
+                    <a:latin typeface="Times New Roman" panose="02020603050405020304" pitchFamily="18" charset="0"/>
+                    <a:ea typeface="Times New Roman" panose="02020603050405020304" pitchFamily="18" charset="0"/>
+                    <a:cs typeface="Times New Roman" panose="02020603050405020304" pitchFamily="18" charset="0"/>
+                  </a:rPr>
+                  <a:t>Solve Least Squares Optimization of M.1 with </a:t>
+                </a:r>
+                <a:r>
+                  <a:rPr lang="en-US" dirty="0">
+                    <a:solidFill>
+                      <a:schemeClr val="tx1"/>
+                    </a:solidFill>
+                    <a:latin typeface="Times New Roman" panose="02020603050405020304" pitchFamily="18" charset="0"/>
+                    <a:ea typeface="Times New Roman" panose="02020603050405020304" pitchFamily="18" charset="0"/>
+                    <a:cs typeface="Times New Roman" panose="02020603050405020304" pitchFamily="18" charset="0"/>
+                  </a:rPr>
+                  <a:t>Curvature </a:t>
+                </a:r>
+                <a:r>
+                  <a:rPr lang="en-US" dirty="0">
+                    <a:solidFill>
+                      <a:schemeClr val="tx1"/>
+                    </a:solidFill>
+                    <a:latin typeface="Times New Roman" panose="02020603050405020304" pitchFamily="18" charset="0"/>
+                    <a:cs typeface="Times New Roman" panose="02020603050405020304" pitchFamily="18" charset="0"/>
+                  </a:rPr>
+                  <a:t>Data </a:t>
+                </a:r>
+                <a14:m>
+                  <m:oMath xmlns:m="http://schemas.openxmlformats.org/officeDocument/2006/math">
+                    <m:acc>
+                      <m:accPr>
+                        <m:chr m:val="̂"/>
+                        <m:ctrlPr>
+                          <a:rPr lang="en-US" i="1">
+                            <a:solidFill>
+                              <a:schemeClr val="tx1"/>
+                            </a:solidFill>
+                            <a:latin typeface="Cambria Math" panose="02040503050406030204" pitchFamily="18" charset="0"/>
+                          </a:rPr>
+                        </m:ctrlPr>
+                      </m:accPr>
+                      <m:e>
+                        <m:r>
+                          <m:rPr>
+                            <m:sty m:val="p"/>
+                          </m:rPr>
+                          <a:rPr lang="en-US">
+                            <a:solidFill>
+                              <a:schemeClr val="tx1"/>
+                            </a:solidFill>
+                            <a:latin typeface="Cambria Math" panose="02040503050406030204" pitchFamily="18" charset="0"/>
+                          </a:rPr>
+                          <m:t>κ</m:t>
+                        </m:r>
+                      </m:e>
+                    </m:acc>
+                    <m:r>
+                      <a:rPr lang="en-US">
+                        <a:solidFill>
+                          <a:schemeClr val="tx1"/>
+                        </a:solidFill>
+                        <a:latin typeface="Cambria Math" panose="02040503050406030204" pitchFamily="18" charset="0"/>
+                      </a:rPr>
+                      <m:t>[</m:t>
+                    </m:r>
+                    <m:r>
+                      <m:rPr>
+                        <m:sty m:val="p"/>
+                      </m:rPr>
+                      <a:rPr lang="en-US">
+                        <a:solidFill>
+                          <a:schemeClr val="tx1"/>
+                        </a:solidFill>
+                        <a:latin typeface="Cambria Math" panose="02040503050406030204" pitchFamily="18" charset="0"/>
+                      </a:rPr>
+                      <m:t>s</m:t>
+                    </m:r>
+                    <m:r>
+                      <a:rPr lang="en-US">
+                        <a:solidFill>
+                          <a:schemeClr val="tx1"/>
+                        </a:solidFill>
+                        <a:latin typeface="Cambria Math" panose="02040503050406030204" pitchFamily="18" charset="0"/>
+                      </a:rPr>
+                      <m:t>]</m:t>
+                    </m:r>
+                  </m:oMath>
+                </a14:m>
+                <a:endParaRPr lang="en-US" dirty="0">
+                  <a:solidFill>
+                    <a:schemeClr val="tx1"/>
+                  </a:solidFill>
+                  <a:latin typeface="Times New Roman" panose="02020603050405020304" pitchFamily="18" charset="0"/>
+                  <a:cs typeface="Times New Roman" panose="02020603050405020304" pitchFamily="18" charset="0"/>
+                </a:endParaRPr>
+              </a:p>
+              <a:p>
+                <a:pPr algn="just">
+                  <a:spcAft>
+                    <a:spcPts val="1200"/>
+                  </a:spcAft>
+                </a:pPr>
+                <a:r>
+                  <a:rPr lang="en-US" dirty="0">
+                    <a:latin typeface="Times New Roman" panose="02020603050405020304" pitchFamily="18" charset="0"/>
+                    <a:ea typeface="Times New Roman" panose="02020603050405020304" pitchFamily="18" charset="0"/>
+                    <a:cs typeface="Times New Roman" panose="02020603050405020304" pitchFamily="18" charset="0"/>
+                  </a:rPr>
+                  <a:t>	</a:t>
+                </a:r>
+                <a:r>
+                  <a:rPr lang="en-US" i="1" dirty="0">
+                    <a:latin typeface="Times New Roman" panose="02020603050405020304" pitchFamily="18" charset="0"/>
+                    <a:ea typeface="Times New Roman" panose="02020603050405020304" pitchFamily="18" charset="0"/>
+                    <a:cs typeface="Times New Roman" panose="02020603050405020304" pitchFamily="18" charset="0"/>
+                  </a:rPr>
+                  <a:t>i.e. Pr.1 formulation</a:t>
+                </a:r>
+              </a:p>
+              <a:p>
+                <a:pPr algn="just">
+                  <a:spcAft>
+                    <a:spcPts val="1200"/>
+                  </a:spcAft>
+                </a:pPr>
+                <a:r>
+                  <a:rPr lang="en-US" dirty="0">
+                    <a:latin typeface="Times New Roman" panose="02020603050405020304" pitchFamily="18" charset="0"/>
+                    <a:ea typeface="Times New Roman" panose="02020603050405020304" pitchFamily="18" charset="0"/>
+                    <a:cs typeface="Times New Roman" panose="02020603050405020304" pitchFamily="18" charset="0"/>
+                  </a:rPr>
+                  <a:t>To Obtain Optimized Curvature </a:t>
+                </a:r>
+                <a14:m>
+                  <m:oMath xmlns:m="http://schemas.openxmlformats.org/officeDocument/2006/math">
+                    <m:sSub>
+                      <m:sSubPr>
+                        <m:ctrlPr>
+                          <a:rPr lang="en-US" b="0" i="1" smtClean="0">
+                            <a:latin typeface="Cambria Math" panose="02040503050406030204" pitchFamily="18" charset="0"/>
+                            <a:ea typeface="Times New Roman" panose="02020603050405020304" pitchFamily="18" charset="0"/>
+                            <a:cs typeface="Times New Roman" panose="02020603050405020304" pitchFamily="18" charset="0"/>
+                          </a:rPr>
+                        </m:ctrlPr>
+                      </m:sSubPr>
+                      <m:e>
+                        <m:r>
+                          <a:rPr lang="en-US" b="0" i="1" smtClean="0">
+                            <a:latin typeface="Cambria Math" panose="02040503050406030204" pitchFamily="18" charset="0"/>
+                            <a:ea typeface="Times New Roman" panose="02020603050405020304" pitchFamily="18" charset="0"/>
+                            <a:cs typeface="Times New Roman" panose="02020603050405020304" pitchFamily="18" charset="0"/>
+                          </a:rPr>
+                          <m:t>𝜅</m:t>
+                        </m:r>
+                      </m:e>
+                      <m:sub>
+                        <m:r>
+                          <a:rPr lang="en-US" b="0" i="1" smtClean="0">
+                            <a:latin typeface="Cambria Math" panose="02040503050406030204" pitchFamily="18" charset="0"/>
+                            <a:ea typeface="Times New Roman" panose="02020603050405020304" pitchFamily="18" charset="0"/>
+                            <a:cs typeface="Times New Roman" panose="02020603050405020304" pitchFamily="18" charset="0"/>
+                          </a:rPr>
+                          <m:t>𝑂𝑝𝑡</m:t>
+                        </m:r>
+                      </m:sub>
+                    </m:sSub>
+                    <m:r>
+                      <a:rPr lang="en-US" b="0" i="1" smtClean="0">
+                        <a:latin typeface="Cambria Math" panose="02040503050406030204" pitchFamily="18" charset="0"/>
+                        <a:ea typeface="Times New Roman" panose="02020603050405020304" pitchFamily="18" charset="0"/>
+                        <a:cs typeface="Times New Roman" panose="02020603050405020304" pitchFamily="18" charset="0"/>
+                      </a:rPr>
+                      <m:t>(</m:t>
+                    </m:r>
+                    <m:r>
+                      <a:rPr lang="en-US" b="0" i="1" smtClean="0">
+                        <a:latin typeface="Cambria Math" panose="02040503050406030204" pitchFamily="18" charset="0"/>
+                        <a:ea typeface="Times New Roman" panose="02020603050405020304" pitchFamily="18" charset="0"/>
+                        <a:cs typeface="Times New Roman" panose="02020603050405020304" pitchFamily="18" charset="0"/>
+                      </a:rPr>
+                      <m:t>𝑠</m:t>
+                    </m:r>
+                    <m:r>
+                      <a:rPr lang="en-US" b="0" i="1" smtClean="0">
+                        <a:latin typeface="Cambria Math" panose="02040503050406030204" pitchFamily="18" charset="0"/>
+                        <a:ea typeface="Times New Roman" panose="02020603050405020304" pitchFamily="18" charset="0"/>
+                        <a:cs typeface="Times New Roman" panose="02020603050405020304" pitchFamily="18" charset="0"/>
+                      </a:rPr>
+                      <m:t>)</m:t>
+                    </m:r>
+                  </m:oMath>
+                </a14:m>
+                <a:endParaRPr lang="en-US" dirty="0">
+                  <a:latin typeface="Times New Roman" panose="02020603050405020304" pitchFamily="18" charset="0"/>
+                  <a:ea typeface="Times New Roman" panose="02020603050405020304" pitchFamily="18" charset="0"/>
+                  <a:cs typeface="Times New Roman" panose="02020603050405020304" pitchFamily="18" charset="0"/>
+                </a:endParaRPr>
+              </a:p>
+              <a:p>
+                <a:pPr algn="just">
+                  <a:spcAft>
+                    <a:spcPts val="1200"/>
+                  </a:spcAft>
+                </a:pPr>
+                <a:r>
+                  <a:rPr lang="en-US" dirty="0">
+                    <a:latin typeface="Times New Roman" panose="02020603050405020304" pitchFamily="18" charset="0"/>
+                    <a:ea typeface="Times New Roman" panose="02020603050405020304" pitchFamily="18" charset="0"/>
+                    <a:cs typeface="Times New Roman" panose="02020603050405020304" pitchFamily="18" charset="0"/>
+                  </a:rPr>
+                  <a:t>Define Vehicle/Road Parameters as appropriate </a:t>
+                </a:r>
+              </a:p>
+              <a:p>
+                <a:pPr algn="just">
+                  <a:spcAft>
+                    <a:spcPts val="1200"/>
+                  </a:spcAft>
+                </a:pPr>
+                <a:r>
+                  <a:rPr lang="en-US" dirty="0">
+                    <a:latin typeface="Times New Roman" panose="02020603050405020304" pitchFamily="18" charset="0"/>
+                    <a:ea typeface="Times New Roman" panose="02020603050405020304" pitchFamily="18" charset="0"/>
+                    <a:cs typeface="Times New Roman" panose="02020603050405020304" pitchFamily="18" charset="0"/>
+                  </a:rPr>
+                  <a:t>	</a:t>
+                </a:r>
+                <a:r>
+                  <a:rPr lang="en-US" i="1" dirty="0">
+                    <a:latin typeface="Times New Roman" panose="02020603050405020304" pitchFamily="18" charset="0"/>
+                    <a:ea typeface="Times New Roman" panose="02020603050405020304" pitchFamily="18" charset="0"/>
+                    <a:cs typeface="Times New Roman" panose="02020603050405020304" pitchFamily="18" charset="0"/>
+                  </a:rPr>
+                  <a:t>i.e. friction, gravity</a:t>
+                </a:r>
+              </a:p>
+              <a:p>
+                <a:pPr algn="just">
+                  <a:spcAft>
+                    <a:spcPts val="1200"/>
+                  </a:spcAft>
+                </a:pPr>
+                <a:r>
+                  <a:rPr lang="en-US" dirty="0">
+                    <a:solidFill>
+                      <a:schemeClr val="accent1"/>
+                    </a:solidFill>
+                    <a:latin typeface="Times New Roman" panose="02020603050405020304" pitchFamily="18" charset="0"/>
+                    <a:ea typeface="Times New Roman" panose="02020603050405020304" pitchFamily="18" charset="0"/>
+                    <a:cs typeface="Times New Roman" panose="02020603050405020304" pitchFamily="18" charset="0"/>
+                  </a:rPr>
+                  <a:t>for</a:t>
+                </a:r>
+                <a:r>
+                  <a:rPr lang="en-US" dirty="0">
+                    <a:latin typeface="Times New Roman" panose="02020603050405020304" pitchFamily="18" charset="0"/>
+                    <a:ea typeface="Times New Roman" panose="02020603050405020304" pitchFamily="18" charset="0"/>
+                    <a:cs typeface="Times New Roman" panose="02020603050405020304" pitchFamily="18" charset="0"/>
+                  </a:rPr>
+                  <a:t> Step = Initial Step : Total Steps in </a:t>
+                </a:r>
+                <a14:m>
+                  <m:oMath xmlns:m="http://schemas.openxmlformats.org/officeDocument/2006/math">
+                    <m:sSub>
+                      <m:sSubPr>
+                        <m:ctrlPr>
+                          <a:rPr lang="en-US" b="0" i="1" smtClean="0">
+                            <a:latin typeface="Cambria Math" panose="02040503050406030204" pitchFamily="18" charset="0"/>
+                            <a:ea typeface="Times New Roman" panose="02020603050405020304" pitchFamily="18" charset="0"/>
+                          </a:rPr>
+                        </m:ctrlPr>
+                      </m:sSubPr>
+                      <m:e>
+                        <m:r>
+                          <a:rPr lang="en-US" b="0" i="1" smtClean="0">
+                            <a:latin typeface="Cambria Math" panose="02040503050406030204" pitchFamily="18" charset="0"/>
+                            <a:ea typeface="Times New Roman" panose="02020603050405020304" pitchFamily="18" charset="0"/>
+                          </a:rPr>
+                          <m:t>𝜅</m:t>
+                        </m:r>
+                      </m:e>
+                      <m:sub>
+                        <m:r>
+                          <a:rPr lang="en-US" b="0" i="1" smtClean="0">
+                            <a:latin typeface="Cambria Math" panose="02040503050406030204" pitchFamily="18" charset="0"/>
+                            <a:ea typeface="Times New Roman" panose="02020603050405020304" pitchFamily="18" charset="0"/>
+                          </a:rPr>
+                          <m:t>𝑂𝑝𝑡</m:t>
+                        </m:r>
+                      </m:sub>
+                    </m:sSub>
+                  </m:oMath>
+                </a14:m>
+                <a:endParaRPr lang="en-US" dirty="0">
+                  <a:latin typeface="Times New Roman" panose="02020603050405020304" pitchFamily="18" charset="0"/>
+                  <a:ea typeface="Times New Roman" panose="02020603050405020304" pitchFamily="18" charset="0"/>
+                  <a:cs typeface="Times New Roman" panose="02020603050405020304" pitchFamily="18" charset="0"/>
+                </a:endParaRPr>
+              </a:p>
+              <a:p>
+                <a:pPr algn="just">
+                  <a:spcAft>
+                    <a:spcPts val="1200"/>
+                  </a:spcAft>
+                </a:pPr>
+                <a:r>
+                  <a:rPr lang="en-US" i="1" dirty="0">
+                    <a:latin typeface="Times New Roman" panose="02020603050405020304" pitchFamily="18" charset="0"/>
+                    <a:ea typeface="Times New Roman" panose="02020603050405020304" pitchFamily="18" charset="0"/>
+                    <a:cs typeface="Times New Roman" panose="02020603050405020304" pitchFamily="18" charset="0"/>
+                  </a:rPr>
+                  <a:t>        </a:t>
+                </a:r>
+                <a:r>
+                  <a:rPr lang="en-US" dirty="0">
+                    <a:latin typeface="Times New Roman" panose="02020603050405020304" pitchFamily="18" charset="0"/>
+                    <a:ea typeface="Times New Roman" panose="02020603050405020304" pitchFamily="18" charset="0"/>
+                    <a:cs typeface="Times New Roman" panose="02020603050405020304" pitchFamily="18" charset="0"/>
+                  </a:rPr>
+                  <a:t>Objective Function </a:t>
+                </a:r>
+              </a:p>
+              <a:p>
+                <a:pPr algn="just">
+                  <a:spcAft>
+                    <a:spcPts val="1200"/>
+                  </a:spcAft>
+                </a:pPr>
+                <a:r>
+                  <a:rPr lang="en-US" i="1" dirty="0">
+                    <a:latin typeface="Times New Roman" panose="02020603050405020304" pitchFamily="18" charset="0"/>
+                    <a:ea typeface="Times New Roman" panose="02020603050405020304" pitchFamily="18" charset="0"/>
+                    <a:cs typeface="Times New Roman" panose="02020603050405020304" pitchFamily="18" charset="0"/>
+                  </a:rPr>
+                  <a:t>        	 i.e. Pr.2 formulation</a:t>
+                </a:r>
+              </a:p>
+              <a:p>
+                <a:pPr algn="just">
+                  <a:spcAft>
+                    <a:spcPts val="1200"/>
+                  </a:spcAft>
+                </a:pPr>
+                <a:r>
+                  <a:rPr lang="en-US" i="1" dirty="0">
+                    <a:latin typeface="Times New Roman" panose="02020603050405020304" pitchFamily="18" charset="0"/>
+                    <a:ea typeface="Times New Roman" panose="02020603050405020304" pitchFamily="18" charset="0"/>
+                    <a:cs typeface="Times New Roman" panose="02020603050405020304" pitchFamily="18" charset="0"/>
+                  </a:rPr>
+                  <a:t>        </a:t>
+                </a:r>
+                <a:r>
+                  <a:rPr lang="en-US" dirty="0">
+                    <a:latin typeface="Times New Roman" panose="02020603050405020304" pitchFamily="18" charset="0"/>
+                    <a:ea typeface="Times New Roman" panose="02020603050405020304" pitchFamily="18" charset="0"/>
+                    <a:cs typeface="Times New Roman" panose="02020603050405020304" pitchFamily="18" charset="0"/>
+                  </a:rPr>
+                  <a:t>Define Constraints </a:t>
+                </a:r>
+              </a:p>
+              <a:p>
+                <a:pPr algn="just">
+                  <a:spcAft>
+                    <a:spcPts val="1200"/>
+                  </a:spcAft>
+                </a:pPr>
+                <a:r>
+                  <a:rPr lang="en-US" i="1" dirty="0">
+                    <a:latin typeface="Times New Roman" panose="02020603050405020304" pitchFamily="18" charset="0"/>
+                    <a:ea typeface="Times New Roman" panose="02020603050405020304" pitchFamily="18" charset="0"/>
+                    <a:cs typeface="Times New Roman" panose="02020603050405020304" pitchFamily="18" charset="0"/>
+                  </a:rPr>
+                  <a:t>	i.e. C.1 Constraints</a:t>
+                </a:r>
+              </a:p>
+              <a:p>
+                <a:pPr algn="just">
+                  <a:spcAft>
+                    <a:spcPts val="1200"/>
+                  </a:spcAft>
+                </a:pPr>
+                <a:r>
+                  <a:rPr lang="en-US" i="1" dirty="0">
+                    <a:latin typeface="Times New Roman" panose="02020603050405020304" pitchFamily="18" charset="0"/>
+                    <a:ea typeface="Times New Roman" panose="02020603050405020304" pitchFamily="18" charset="0"/>
+                    <a:cs typeface="Times New Roman" panose="02020603050405020304" pitchFamily="18" charset="0"/>
+                  </a:rPr>
+                  <a:t>        </a:t>
+                </a:r>
+                <a:r>
+                  <a:rPr lang="en-US" dirty="0">
+                    <a:latin typeface="Times New Roman" panose="02020603050405020304" pitchFamily="18" charset="0"/>
+                    <a:ea typeface="Times New Roman" panose="02020603050405020304" pitchFamily="18" charset="0"/>
+                    <a:cs typeface="Times New Roman" panose="02020603050405020304" pitchFamily="18" charset="0"/>
+                  </a:rPr>
+                  <a:t>Apply Non-Linear Solver to find Optimal driving parameters</a:t>
+                </a:r>
+              </a:p>
+              <a:p>
+                <a:pPr algn="just">
+                  <a:spcAft>
+                    <a:spcPts val="1200"/>
+                  </a:spcAft>
+                </a:pPr>
+                <a:r>
+                  <a:rPr lang="en-US" i="1" dirty="0">
+                    <a:latin typeface="Times New Roman" panose="02020603050405020304" pitchFamily="18" charset="0"/>
+                    <a:cs typeface="Times New Roman" panose="02020603050405020304" pitchFamily="18" charset="0"/>
+                  </a:rPr>
+                  <a:t>	[</a:t>
+                </a:r>
+                <a14:m>
+                  <m:oMath xmlns:m="http://schemas.openxmlformats.org/officeDocument/2006/math">
+                    <m:sSub>
+                      <m:sSubPr>
+                        <m:ctrlPr>
+                          <a:rPr lang="en-US" i="1"/>
+                        </m:ctrlPr>
+                      </m:sSubPr>
+                      <m:e>
+                        <m:r>
+                          <a:rPr lang="en-US" i="1"/>
+                          <m:t>𝑣</m:t>
+                        </m:r>
+                      </m:e>
+                      <m:sub>
+                        <m:r>
+                          <a:rPr lang="en-US" i="1"/>
+                          <m:t>𝑂𝑝𝑡</m:t>
+                        </m:r>
+                      </m:sub>
+                    </m:sSub>
+                  </m:oMath>
+                </a14:m>
+                <a:r>
+                  <a:rPr lang="en-US" i="1" dirty="0">
+                    <a:latin typeface="Times New Roman" panose="02020603050405020304" pitchFamily="18" charset="0"/>
+                    <a:cs typeface="Times New Roman" panose="02020603050405020304" pitchFamily="18" charset="0"/>
+                  </a:rPr>
+                  <a:t>] = Non-linear-Optimization-Solver(Pr.2,C.1)</a:t>
+                </a:r>
+                <a:endParaRPr lang="en-US" dirty="0">
+                  <a:latin typeface="Times New Roman" panose="02020603050405020304" pitchFamily="18" charset="0"/>
+                  <a:ea typeface="Times New Roman" panose="02020603050405020304" pitchFamily="18" charset="0"/>
+                  <a:cs typeface="Times New Roman" panose="02020603050405020304" pitchFamily="18" charset="0"/>
+                </a:endParaRPr>
+              </a:p>
+              <a:p>
+                <a:pPr algn="just">
+                  <a:spcAft>
+                    <a:spcPts val="1200"/>
+                  </a:spcAft>
+                </a:pPr>
+                <a:r>
+                  <a:rPr lang="en-US" dirty="0">
+                    <a:solidFill>
+                      <a:schemeClr val="accent1"/>
+                    </a:solidFill>
+                    <a:latin typeface="Times New Roman" panose="02020603050405020304" pitchFamily="18" charset="0"/>
+                    <a:ea typeface="Times New Roman" panose="02020603050405020304" pitchFamily="18" charset="0"/>
+                    <a:cs typeface="Times New Roman" panose="02020603050405020304" pitchFamily="18" charset="0"/>
+                  </a:rPr>
+                  <a:t>end</a:t>
+                </a:r>
+              </a:p>
+            </p:txBody>
+          </p:sp>
+        </mc:Choice>
+        <mc:Fallback>
+          <p:sp>
+            <p:nvSpPr>
+              <p:cNvPr id="2" name="Rectangle 1">
+                <a:extLst>
+                  <a:ext uri="{FF2B5EF4-FFF2-40B4-BE49-F238E27FC236}">
+                    <a16:creationId xmlns:a16="http://schemas.microsoft.com/office/drawing/2014/main" id="{FE595490-9D4E-4846-9F1A-C176748DFAAB}"/>
+                  </a:ext>
+                </a:extLst>
+              </p:cNvPr>
+              <p:cNvSpPr>
+                <a:spLocks noRot="1" noChangeAspect="1" noMove="1" noResize="1" noEditPoints="1" noAdjustHandles="1" noChangeArrowheads="1" noChangeShapeType="1" noTextEdit="1"/>
+              </p:cNvSpPr>
+              <p:nvPr/>
+            </p:nvSpPr>
+            <p:spPr>
+              <a:xfrm>
+                <a:off x="2366361" y="199223"/>
+                <a:ext cx="8909323" cy="6712222"/>
+              </a:xfrm>
+              <a:prstGeom prst="rect">
+                <a:avLst/>
+              </a:prstGeom>
+              <a:blipFill>
+                <a:blip r:embed="rId2"/>
+                <a:stretch>
+                  <a:fillRect l="-547" t="-545" b="-545"/>
+                </a:stretch>
+              </a:blipFill>
+            </p:spPr>
+            <p:txBody>
+              <a:bodyPr/>
+              <a:lstStyle/>
+              <a:p>
+                <a:r>
+                  <a:rPr lang="en-US">
+                    <a:noFill/>
+                  </a:rPr>
+                  <a:t> </a:t>
+                </a:r>
+              </a:p>
+            </p:txBody>
+          </p:sp>
+        </mc:Fallback>
+      </mc:AlternateContent>
+      <p:sp>
+        <p:nvSpPr>
+          <p:cNvPr id="3" name="Left Bracket 2">
+            <a:extLst>
+              <a:ext uri="{FF2B5EF4-FFF2-40B4-BE49-F238E27FC236}">
+                <a16:creationId xmlns:a16="http://schemas.microsoft.com/office/drawing/2014/main" id="{5C1DC73F-CB26-4897-95F3-BE9275104584}"/>
+              </a:ext>
+            </a:extLst>
+          </p:cNvPr>
+          <p:cNvSpPr/>
+          <p:nvPr/>
+        </p:nvSpPr>
+        <p:spPr>
+          <a:xfrm>
+            <a:off x="2069041" y="3607218"/>
+            <a:ext cx="297320" cy="3051559"/>
+          </a:xfrm>
+          <a:prstGeom prst="leftBracket">
+            <a:avLst>
+              <a:gd name="adj" fmla="val 0"/>
+            </a:avLst>
+          </a:prstGeom>
+          <a:ln/>
+        </p:spPr>
+        <p:style>
+          <a:lnRef idx="2">
+            <a:schemeClr val="dk1"/>
+          </a:lnRef>
+          <a:fillRef idx="0">
+            <a:schemeClr val="dk1"/>
+          </a:fillRef>
+          <a:effectRef idx="1">
+            <a:schemeClr val="dk1"/>
+          </a:effectRef>
+          <a:fontRef idx="minor">
+            <a:schemeClr val="tx1"/>
+          </a:fontRef>
+        </p:style>
+        <p:txBody>
+          <a:bodyPr rtlCol="0" anchor="ctr"/>
+          <a:lstStyle/>
+          <a:p>
+            <a:pPr algn="ctr"/>
+            <a:endParaRPr lang="en-US"/>
+          </a:p>
+        </p:txBody>
+      </p:sp>
+    </p:spTree>
+    <p:extLst>
+      <p:ext uri="{BB962C8B-B14F-4D97-AF65-F5344CB8AC3E}">
+        <p14:creationId xmlns:p14="http://schemas.microsoft.com/office/powerpoint/2010/main" val="2997776381"/>
       </p:ext>
     </p:extLst>
   </p:cSld>
